--- a/Keynotes/week7网络访问.pptx
+++ b/Keynotes/week7网络访问.pptx
@@ -155,7 +155,7 @@
   </p:defaultTextStyle>
   <p:extLst>
     <p:ext uri="{EFAFB233-063F-42B5-8137-9DF3F51BA10A}">
-      <p15:sldGuideLst xmlns:p15="http://schemas.microsoft.com/office/powerpoint/2012/main">
+      <p15:sldGuideLst xmlns:p15="http://schemas.microsoft.com/office/powerpoint/2012/main" xmlns="">
         <p15:guide id="1" orient="horz" pos="144">
           <p15:clr>
             <a:srgbClr val="A4A3A4"/>
@@ -219,7 +219,7 @@
       </p15:sldGuideLst>
     </p:ext>
     <p:ext uri="{2D200454-40CA-4A62-9FC3-DE9A4176ACB9}">
-      <p15:notesGuideLst xmlns:p15="http://schemas.microsoft.com/office/powerpoint/2012/main">
+      <p15:notesGuideLst xmlns:p15="http://schemas.microsoft.com/office/powerpoint/2012/main" xmlns="">
         <p15:guide id="1" orient="horz" pos="2880">
           <p15:clr>
             <a:srgbClr val="A4A3A4"/>
@@ -332,7 +332,7 @@
               <a:rPr lang="en-US" smtClean="0">
                 <a:latin typeface="Segoe UI" panose="020B0502040204020203" pitchFamily="34" charset="0"/>
               </a:rPr>
-              <a:t>4/18/2018</a:t>
+              <a:t>4/20/2018</a:t>
             </a:fld>
             <a:endParaRPr lang="en-US" dirty="0">
               <a:latin typeface="Segoe UI" panose="020B0502040204020203" pitchFamily="34" charset="0"/>
@@ -447,6 +447,11 @@
         </p:txBody>
       </p:sp>
     </p:spTree>
+    <p:extLst>
+      <p:ext uri="{BB962C8B-B14F-4D97-AF65-F5344CB8AC3E}">
+        <p14:creationId xmlns:p14="http://schemas.microsoft.com/office/powerpoint/2010/main" val="1382078775"/>
+      </p:ext>
+    </p:extLst>
   </p:cSld>
   <p:clrMap bg1="lt1" tx1="dk1" bg2="lt2" tx2="dk2" accent1="accent1" accent2="accent2" accent3="accent3" accent4="accent4" accent5="accent5" accent6="accent6" hlink="hlink" folHlink="folHlink"/>
 </p:handoutMaster>
@@ -541,7 +546,7 @@
           <a:p>
             <a:fld id="{7C3FBCD4-166E-446F-AF18-7D4A0CF9AEF6}" type="datetimeFigureOut">
               <a:rPr lang="en-US" smtClean="0"/>
-              <a:t>4/18/2018</a:t>
+              <a:t>4/20/2018</a:t>
             </a:fld>
             <a:endParaRPr lang="en-US" dirty="0"/>
           </a:p>
@@ -748,6 +753,11 @@
         </p:txBody>
       </p:sp>
     </p:spTree>
+    <p:extLst>
+      <p:ext uri="{BB962C8B-B14F-4D97-AF65-F5344CB8AC3E}">
+        <p14:creationId xmlns:p14="http://schemas.microsoft.com/office/powerpoint/2010/main" val="2441927108"/>
+      </p:ext>
+    </p:extLst>
   </p:cSld>
   <p:clrMap bg1="lt1" tx1="dk1" bg2="lt2" tx2="dk2" accent1="accent1" accent2="accent2" accent3="accent3" accent4="accent4" accent5="accent5" accent6="accent6" hlink="hlink" folHlink="folHlink"/>
   <p:notesStyle>
@@ -974,7 +984,7 @@
           <a:p>
             <a:fld id="{81331B57-0BE5-4F82-AA58-76F53EFF3ADA}" type="datetime8">
               <a:rPr lang="en-US" smtClean="0"/>
-              <a:t>4/18/2018 10:59 AM</a:t>
+              <a:t>4/20/2018 9:05 AM</a:t>
             </a:fld>
             <a:endParaRPr lang="en-US" dirty="0"/>
           </a:p>
@@ -3359,7 +3369,7 @@
           <p:cNvPr id="3" name="灯片编号占位符 2">
             <a:extLst>
               <a:ext uri="{FF2B5EF4-FFF2-40B4-BE49-F238E27FC236}">
-                <a16:creationId xmlns:a16="http://schemas.microsoft.com/office/drawing/2014/main" id="{56E029AB-5463-40BE-9729-E55B0C832455}"/>
+                <a16:creationId xmlns:a16="http://schemas.microsoft.com/office/drawing/2014/main" xmlns="" id="{56E029AB-5463-40BE-9729-E55B0C832455}"/>
               </a:ext>
             </a:extLst>
           </p:cNvPr>
@@ -5960,7 +5970,7 @@
           <p:cNvPr id="2" name="灯片编号占位符 1">
             <a:extLst>
               <a:ext uri="{FF2B5EF4-FFF2-40B4-BE49-F238E27FC236}">
-                <a16:creationId xmlns:a16="http://schemas.microsoft.com/office/drawing/2014/main" id="{B3276F66-B0E1-4AF4-ACF0-FEC83F86B272}"/>
+                <a16:creationId xmlns:a16="http://schemas.microsoft.com/office/drawing/2014/main" xmlns="" id="{B3276F66-B0E1-4AF4-ACF0-FEC83F86B272}"/>
               </a:ext>
             </a:extLst>
           </p:cNvPr>
@@ -6273,7 +6283,7 @@
           <p:cNvPr id="4" name="灯片编号占位符 3">
             <a:extLst>
               <a:ext uri="{FF2B5EF4-FFF2-40B4-BE49-F238E27FC236}">
-                <a16:creationId xmlns:a16="http://schemas.microsoft.com/office/drawing/2014/main" id="{CF80F89F-07EA-4DA7-ADFA-50A4BFF49BF1}"/>
+                <a16:creationId xmlns:a16="http://schemas.microsoft.com/office/drawing/2014/main" xmlns="" id="{CF80F89F-07EA-4DA7-ADFA-50A4BFF49BF1}"/>
               </a:ext>
             </a:extLst>
           </p:cNvPr>
@@ -8414,7 +8424,7 @@
           <p:cNvPr id="17" name="灯片编号占位符 16">
             <a:extLst>
               <a:ext uri="{FF2B5EF4-FFF2-40B4-BE49-F238E27FC236}">
-                <a16:creationId xmlns:a16="http://schemas.microsoft.com/office/drawing/2014/main" id="{DB4A0AE3-6AEA-4026-BA66-7FAFEF7A195A}"/>
+                <a16:creationId xmlns:a16="http://schemas.microsoft.com/office/drawing/2014/main" xmlns="" id="{DB4A0AE3-6AEA-4026-BA66-7FAFEF7A195A}"/>
               </a:ext>
             </a:extLst>
           </p:cNvPr>
@@ -9906,7 +9916,7 @@
           <p:cNvPr id="3" name="灯片编号占位符 2">
             <a:extLst>
               <a:ext uri="{FF2B5EF4-FFF2-40B4-BE49-F238E27FC236}">
-                <a16:creationId xmlns:a16="http://schemas.microsoft.com/office/drawing/2014/main" id="{6CD6807D-B174-4AD4-B21A-A2FFB6798E63}"/>
+                <a16:creationId xmlns:a16="http://schemas.microsoft.com/office/drawing/2014/main" xmlns="" id="{6CD6807D-B174-4AD4-B21A-A2FFB6798E63}"/>
               </a:ext>
             </a:extLst>
           </p:cNvPr>
@@ -10728,7 +10738,7 @@
           <p:cNvPr id="3" name="灯片编号占位符 2">
             <a:extLst>
               <a:ext uri="{FF2B5EF4-FFF2-40B4-BE49-F238E27FC236}">
-                <a16:creationId xmlns:a16="http://schemas.microsoft.com/office/drawing/2014/main" id="{59160481-BF73-4B16-BDC1-DA50D301B7D2}"/>
+                <a16:creationId xmlns:a16="http://schemas.microsoft.com/office/drawing/2014/main" xmlns="" id="{59160481-BF73-4B16-BDC1-DA50D301B7D2}"/>
               </a:ext>
             </a:extLst>
           </p:cNvPr>
@@ -13966,7 +13976,7 @@
           <p:cNvPr id="4" name="灯片编号占位符 3">
             <a:extLst>
               <a:ext uri="{FF2B5EF4-FFF2-40B4-BE49-F238E27FC236}">
-                <a16:creationId xmlns:a16="http://schemas.microsoft.com/office/drawing/2014/main" id="{626E415E-6717-4883-962C-27EE237B5689}"/>
+                <a16:creationId xmlns:a16="http://schemas.microsoft.com/office/drawing/2014/main" xmlns="" id="{626E415E-6717-4883-962C-27EE237B5689}"/>
               </a:ext>
             </a:extLst>
           </p:cNvPr>
@@ -14182,7 +14192,7 @@
           <p:cNvPr id="2" name="灯片编号占位符 1">
             <a:extLst>
               <a:ext uri="{FF2B5EF4-FFF2-40B4-BE49-F238E27FC236}">
-                <a16:creationId xmlns:a16="http://schemas.microsoft.com/office/drawing/2014/main" id="{FD27CB49-CDC9-491B-A41F-5C024BF53EDA}"/>
+                <a16:creationId xmlns:a16="http://schemas.microsoft.com/office/drawing/2014/main" xmlns="" id="{FD27CB49-CDC9-491B-A41F-5C024BF53EDA}"/>
               </a:ext>
             </a:extLst>
           </p:cNvPr>
@@ -15351,7 +15361,7 @@
           <p:cNvPr id="5" name="灯片编号占位符 4">
             <a:extLst>
               <a:ext uri="{FF2B5EF4-FFF2-40B4-BE49-F238E27FC236}">
-                <a16:creationId xmlns:a16="http://schemas.microsoft.com/office/drawing/2014/main" id="{B61BEECC-FEC4-48AC-83B6-432049FF2752}"/>
+                <a16:creationId xmlns:a16="http://schemas.microsoft.com/office/drawing/2014/main" xmlns="" id="{B61BEECC-FEC4-48AC-83B6-432049FF2752}"/>
               </a:ext>
             </a:extLst>
           </p:cNvPr>
@@ -15856,7 +15866,7 @@
           <p:cNvPr id="3" name="灯片编号占位符 2">
             <a:extLst>
               <a:ext uri="{FF2B5EF4-FFF2-40B4-BE49-F238E27FC236}">
-                <a16:creationId xmlns:a16="http://schemas.microsoft.com/office/drawing/2014/main" id="{4D487B28-B122-4D79-A2B8-4AC7AB04CCC3}"/>
+                <a16:creationId xmlns:a16="http://schemas.microsoft.com/office/drawing/2014/main" xmlns="" id="{4D487B28-B122-4D79-A2B8-4AC7AB04CCC3}"/>
               </a:ext>
             </a:extLst>
           </p:cNvPr>
@@ -15922,7 +15932,7 @@
           <p:cNvPr id="2" name="标题 1">
             <a:extLst>
               <a:ext uri="{FF2B5EF4-FFF2-40B4-BE49-F238E27FC236}">
-                <a16:creationId xmlns:a16="http://schemas.microsoft.com/office/drawing/2014/main" id="{E9BCD126-12E8-4B89-ADC4-2EA2EBBA5BAA}"/>
+                <a16:creationId xmlns:a16="http://schemas.microsoft.com/office/drawing/2014/main" xmlns="" id="{E9BCD126-12E8-4B89-ADC4-2EA2EBBA5BAA}"/>
               </a:ext>
             </a:extLst>
           </p:cNvPr>
@@ -15953,7 +15963,7 @@
           <p:cNvPr id="3" name="文本占位符 2">
             <a:extLst>
               <a:ext uri="{FF2B5EF4-FFF2-40B4-BE49-F238E27FC236}">
-                <a16:creationId xmlns:a16="http://schemas.microsoft.com/office/drawing/2014/main" id="{82FC1720-881B-442D-AE34-887D6213645E}"/>
+                <a16:creationId xmlns:a16="http://schemas.microsoft.com/office/drawing/2014/main" xmlns="" id="{82FC1720-881B-442D-AE34-887D6213645E}"/>
               </a:ext>
             </a:extLst>
           </p:cNvPr>
@@ -16039,7 +16049,7 @@
           <p:cNvPr id="4" name="灯片编号占位符 3">
             <a:extLst>
               <a:ext uri="{FF2B5EF4-FFF2-40B4-BE49-F238E27FC236}">
-                <a16:creationId xmlns:a16="http://schemas.microsoft.com/office/drawing/2014/main" id="{FDA65A4B-86ED-4B8A-BCE0-620E2FA38F6B}"/>
+                <a16:creationId xmlns:a16="http://schemas.microsoft.com/office/drawing/2014/main" xmlns="" id="{FDA65A4B-86ED-4B8A-BCE0-620E2FA38F6B}"/>
               </a:ext>
             </a:extLst>
           </p:cNvPr>
@@ -16110,7 +16120,7 @@
           <p:cNvPr id="2" name="标题 1">
             <a:extLst>
               <a:ext uri="{FF2B5EF4-FFF2-40B4-BE49-F238E27FC236}">
-                <a16:creationId xmlns:a16="http://schemas.microsoft.com/office/drawing/2014/main" id="{B3DA9905-4085-448F-ABE1-1D692C2CE372}"/>
+                <a16:creationId xmlns:a16="http://schemas.microsoft.com/office/drawing/2014/main" xmlns="" id="{B3DA9905-4085-448F-ABE1-1D692C2CE372}"/>
               </a:ext>
             </a:extLst>
           </p:cNvPr>
@@ -16141,7 +16151,7 @@
           <p:cNvPr id="3" name="文本占位符 2">
             <a:extLst>
               <a:ext uri="{FF2B5EF4-FFF2-40B4-BE49-F238E27FC236}">
-                <a16:creationId xmlns:a16="http://schemas.microsoft.com/office/drawing/2014/main" id="{E822B068-BC7A-428F-80D2-136A7147BAB9}"/>
+                <a16:creationId xmlns:a16="http://schemas.microsoft.com/office/drawing/2014/main" xmlns="" id="{E822B068-BC7A-428F-80D2-136A7147BAB9}"/>
               </a:ext>
             </a:extLst>
           </p:cNvPr>
@@ -16289,7 +16299,7 @@
           <p:cNvPr id="4" name="灯片编号占位符 3">
             <a:extLst>
               <a:ext uri="{FF2B5EF4-FFF2-40B4-BE49-F238E27FC236}">
-                <a16:creationId xmlns:a16="http://schemas.microsoft.com/office/drawing/2014/main" id="{E12EC1AB-BEA6-4320-B9DB-41DE4CB055D9}"/>
+                <a16:creationId xmlns:a16="http://schemas.microsoft.com/office/drawing/2014/main" xmlns="" id="{E12EC1AB-BEA6-4320-B9DB-41DE4CB055D9}"/>
               </a:ext>
             </a:extLst>
           </p:cNvPr>
@@ -16360,7 +16370,7 @@
           <p:cNvPr id="2" name="标题 1">
             <a:extLst>
               <a:ext uri="{FF2B5EF4-FFF2-40B4-BE49-F238E27FC236}">
-                <a16:creationId xmlns:a16="http://schemas.microsoft.com/office/drawing/2014/main" id="{B3DA9905-4085-448F-ABE1-1D692C2CE372}"/>
+                <a16:creationId xmlns:a16="http://schemas.microsoft.com/office/drawing/2014/main" xmlns="" id="{B3DA9905-4085-448F-ABE1-1D692C2CE372}"/>
               </a:ext>
             </a:extLst>
           </p:cNvPr>
@@ -16391,7 +16401,7 @@
           <p:cNvPr id="3" name="文本占位符 2">
             <a:extLst>
               <a:ext uri="{FF2B5EF4-FFF2-40B4-BE49-F238E27FC236}">
-                <a16:creationId xmlns:a16="http://schemas.microsoft.com/office/drawing/2014/main" id="{E822B068-BC7A-428F-80D2-136A7147BAB9}"/>
+                <a16:creationId xmlns:a16="http://schemas.microsoft.com/office/drawing/2014/main" xmlns="" id="{E822B068-BC7A-428F-80D2-136A7147BAB9}"/>
               </a:ext>
             </a:extLst>
           </p:cNvPr>
@@ -16491,7 +16501,7 @@
           <p:cNvPr id="4" name="灯片编号占位符 3">
             <a:extLst>
               <a:ext uri="{FF2B5EF4-FFF2-40B4-BE49-F238E27FC236}">
-                <a16:creationId xmlns:a16="http://schemas.microsoft.com/office/drawing/2014/main" id="{CF3D2C01-4241-411C-B5DC-393E4F7C4762}"/>
+                <a16:creationId xmlns:a16="http://schemas.microsoft.com/office/drawing/2014/main" xmlns="" id="{CF3D2C01-4241-411C-B5DC-393E4F7C4762}"/>
               </a:ext>
             </a:extLst>
           </p:cNvPr>
@@ -16562,7 +16572,7 @@
           <p:cNvPr id="2" name="标题 1">
             <a:extLst>
               <a:ext uri="{FF2B5EF4-FFF2-40B4-BE49-F238E27FC236}">
-                <a16:creationId xmlns:a16="http://schemas.microsoft.com/office/drawing/2014/main" id="{E7E49FA3-88A0-4FB4-8947-E11E6919E5DD}"/>
+                <a16:creationId xmlns:a16="http://schemas.microsoft.com/office/drawing/2014/main" xmlns="" id="{E7E49FA3-88A0-4FB4-8947-E11E6919E5DD}"/>
               </a:ext>
             </a:extLst>
           </p:cNvPr>
@@ -16593,7 +16603,7 @@
           <p:cNvPr id="3" name="文本占位符 2">
             <a:extLst>
               <a:ext uri="{FF2B5EF4-FFF2-40B4-BE49-F238E27FC236}">
-                <a16:creationId xmlns:a16="http://schemas.microsoft.com/office/drawing/2014/main" id="{26385381-8249-466C-AC3A-8ADE954C6F52}"/>
+                <a16:creationId xmlns:a16="http://schemas.microsoft.com/office/drawing/2014/main" xmlns="" id="{26385381-8249-466C-AC3A-8ADE954C6F52}"/>
               </a:ext>
             </a:extLst>
           </p:cNvPr>
@@ -16607,7 +16617,7 @@
         <p:spPr/>
         <p:txBody>
           <a:bodyPr>
-            <a:normAutofit/>
+            <a:normAutofit lnSpcReduction="10000"/>
           </a:bodyPr>
           <a:lstStyle/>
           <a:p>
@@ -16848,7 +16858,7 @@
           <p:cNvPr id="4" name="灯片编号占位符 3">
             <a:extLst>
               <a:ext uri="{FF2B5EF4-FFF2-40B4-BE49-F238E27FC236}">
-                <a16:creationId xmlns:a16="http://schemas.microsoft.com/office/drawing/2014/main" id="{1F67B669-6771-4458-964A-774FD630974F}"/>
+                <a16:creationId xmlns:a16="http://schemas.microsoft.com/office/drawing/2014/main" xmlns="" id="{1F67B669-6771-4458-964A-774FD630974F}"/>
               </a:ext>
             </a:extLst>
           </p:cNvPr>
@@ -16919,7 +16929,7 @@
           <p:cNvPr id="2" name="标题 1">
             <a:extLst>
               <a:ext uri="{FF2B5EF4-FFF2-40B4-BE49-F238E27FC236}">
-                <a16:creationId xmlns:a16="http://schemas.microsoft.com/office/drawing/2014/main" id="{8EA49FA2-D276-435C-8742-2CD225724531}"/>
+                <a16:creationId xmlns:a16="http://schemas.microsoft.com/office/drawing/2014/main" xmlns="" id="{8EA49FA2-D276-435C-8742-2CD225724531}"/>
               </a:ext>
             </a:extLst>
           </p:cNvPr>
@@ -16948,7 +16958,7 @@
           <p:cNvPr id="3" name="文本占位符 2">
             <a:extLst>
               <a:ext uri="{FF2B5EF4-FFF2-40B4-BE49-F238E27FC236}">
-                <a16:creationId xmlns:a16="http://schemas.microsoft.com/office/drawing/2014/main" id="{B0CED7C3-B0A6-4268-986A-3FB81E0519D6}"/>
+                <a16:creationId xmlns:a16="http://schemas.microsoft.com/office/drawing/2014/main" xmlns="" id="{B0CED7C3-B0A6-4268-986A-3FB81E0519D6}"/>
               </a:ext>
             </a:extLst>
           </p:cNvPr>
@@ -17113,6 +17123,24 @@
               <a:rPr lang="en-US" altLang="zh-CN" sz="2800" dirty="0"/>
               <a:t>  </a:t>
             </a:r>
+            <a:endParaRPr lang="en-US" altLang="zh-CN" sz="2800" dirty="0" smtClean="0"/>
+          </a:p>
+          <a:p>
+            <a:r>
+              <a:rPr lang="en-US" altLang="zh-CN" sz="2800" dirty="0">
+                <a:hlinkClick r:id="rId2"/>
+              </a:rPr>
+              <a:t>https://</a:t>
+            </a:r>
+            <a:r>
+              <a:rPr lang="en-US" altLang="zh-CN" sz="2800" dirty="0" smtClean="0">
+                <a:hlinkClick r:id="rId2"/>
+              </a:rPr>
+              <a:t>en.wikipedia.org/wiki/Transport_Layer_Security</a:t>
+            </a:r>
+            <a:endParaRPr lang="en-US" altLang="zh-CN" sz="2800" dirty="0" smtClean="0"/>
+          </a:p>
+          <a:p>
             <a:endParaRPr lang="zh-CN" altLang="en-US" sz="2800" dirty="0"/>
           </a:p>
         </p:txBody>
@@ -17122,7 +17150,7 @@
           <p:cNvPr id="4" name="灯片编号占位符 3">
             <a:extLst>
               <a:ext uri="{FF2B5EF4-FFF2-40B4-BE49-F238E27FC236}">
-                <a16:creationId xmlns:a16="http://schemas.microsoft.com/office/drawing/2014/main" id="{4E955350-5E97-47F4-85CE-40BC90889FFE}"/>
+                <a16:creationId xmlns:a16="http://schemas.microsoft.com/office/drawing/2014/main" xmlns="" id="{4E955350-5E97-47F4-85CE-40BC90889FFE}"/>
               </a:ext>
             </a:extLst>
           </p:cNvPr>
@@ -17193,7 +17221,7 @@
           <p:cNvPr id="2" name="标题 1">
             <a:extLst>
               <a:ext uri="{FF2B5EF4-FFF2-40B4-BE49-F238E27FC236}">
-                <a16:creationId xmlns:a16="http://schemas.microsoft.com/office/drawing/2014/main" id="{8EA49FA2-D276-435C-8742-2CD225724531}"/>
+                <a16:creationId xmlns:a16="http://schemas.microsoft.com/office/drawing/2014/main" xmlns="" id="{8EA49FA2-D276-435C-8742-2CD225724531}"/>
               </a:ext>
             </a:extLst>
           </p:cNvPr>
@@ -17222,7 +17250,7 @@
           <p:cNvPr id="3" name="文本占位符 2">
             <a:extLst>
               <a:ext uri="{FF2B5EF4-FFF2-40B4-BE49-F238E27FC236}">
-                <a16:creationId xmlns:a16="http://schemas.microsoft.com/office/drawing/2014/main" id="{B0CED7C3-B0A6-4268-986A-3FB81E0519D6}"/>
+                <a16:creationId xmlns:a16="http://schemas.microsoft.com/office/drawing/2014/main" xmlns="" id="{B0CED7C3-B0A6-4268-986A-3FB81E0519D6}"/>
               </a:ext>
             </a:extLst>
           </p:cNvPr>
@@ -17368,7 +17396,7 @@
           <p:cNvPr id="4" name="灯片编号占位符 3">
             <a:extLst>
               <a:ext uri="{FF2B5EF4-FFF2-40B4-BE49-F238E27FC236}">
-                <a16:creationId xmlns:a16="http://schemas.microsoft.com/office/drawing/2014/main" id="{1C1CE62A-FC77-4970-89E7-2861EEC2DF88}"/>
+                <a16:creationId xmlns:a16="http://schemas.microsoft.com/office/drawing/2014/main" xmlns="" id="{1C1CE62A-FC77-4970-89E7-2861EEC2DF88}"/>
               </a:ext>
             </a:extLst>
           </p:cNvPr>
@@ -17439,7 +17467,7 @@
           <p:cNvPr id="2" name="标题 1">
             <a:extLst>
               <a:ext uri="{FF2B5EF4-FFF2-40B4-BE49-F238E27FC236}">
-                <a16:creationId xmlns:a16="http://schemas.microsoft.com/office/drawing/2014/main" id="{8EA49FA2-D276-435C-8742-2CD225724531}"/>
+                <a16:creationId xmlns:a16="http://schemas.microsoft.com/office/drawing/2014/main" xmlns="" id="{8EA49FA2-D276-435C-8742-2CD225724531}"/>
               </a:ext>
             </a:extLst>
           </p:cNvPr>
@@ -17468,7 +17496,7 @@
           <p:cNvPr id="3" name="文本占位符 2">
             <a:extLst>
               <a:ext uri="{FF2B5EF4-FFF2-40B4-BE49-F238E27FC236}">
-                <a16:creationId xmlns:a16="http://schemas.microsoft.com/office/drawing/2014/main" id="{B0CED7C3-B0A6-4268-986A-3FB81E0519D6}"/>
+                <a16:creationId xmlns:a16="http://schemas.microsoft.com/office/drawing/2014/main" xmlns="" id="{B0CED7C3-B0A6-4268-986A-3FB81E0519D6}"/>
               </a:ext>
             </a:extLst>
           </p:cNvPr>
@@ -17676,7 +17704,7 @@
           <p:cNvPr id="4" name="灯片编号占位符 3">
             <a:extLst>
               <a:ext uri="{FF2B5EF4-FFF2-40B4-BE49-F238E27FC236}">
-                <a16:creationId xmlns:a16="http://schemas.microsoft.com/office/drawing/2014/main" id="{03C0BCAA-FAC1-48CA-B090-542E70DFDA3B}"/>
+                <a16:creationId xmlns:a16="http://schemas.microsoft.com/office/drawing/2014/main" xmlns="" id="{03C0BCAA-FAC1-48CA-B090-542E70DFDA3B}"/>
               </a:ext>
             </a:extLst>
           </p:cNvPr>
@@ -17747,7 +17775,7 @@
           <p:cNvPr id="2" name="标题 1">
             <a:extLst>
               <a:ext uri="{FF2B5EF4-FFF2-40B4-BE49-F238E27FC236}">
-                <a16:creationId xmlns:a16="http://schemas.microsoft.com/office/drawing/2014/main" id="{8EA49FA2-D276-435C-8742-2CD225724531}"/>
+                <a16:creationId xmlns:a16="http://schemas.microsoft.com/office/drawing/2014/main" xmlns="" id="{8EA49FA2-D276-435C-8742-2CD225724531}"/>
               </a:ext>
             </a:extLst>
           </p:cNvPr>
@@ -17776,7 +17804,7 @@
           <p:cNvPr id="3" name="文本占位符 2">
             <a:extLst>
               <a:ext uri="{FF2B5EF4-FFF2-40B4-BE49-F238E27FC236}">
-                <a16:creationId xmlns:a16="http://schemas.microsoft.com/office/drawing/2014/main" id="{B0CED7C3-B0A6-4268-986A-3FB81E0519D6}"/>
+                <a16:creationId xmlns:a16="http://schemas.microsoft.com/office/drawing/2014/main" xmlns="" id="{B0CED7C3-B0A6-4268-986A-3FB81E0519D6}"/>
               </a:ext>
             </a:extLst>
           </p:cNvPr>
@@ -17984,7 +18012,7 @@
           <p:cNvPr id="4" name="灯片编号占位符 3">
             <a:extLst>
               <a:ext uri="{FF2B5EF4-FFF2-40B4-BE49-F238E27FC236}">
-                <a16:creationId xmlns:a16="http://schemas.microsoft.com/office/drawing/2014/main" id="{7A3C2ED7-BD3C-4B98-9D2F-F30FB940ADF4}"/>
+                <a16:creationId xmlns:a16="http://schemas.microsoft.com/office/drawing/2014/main" xmlns="" id="{7A3C2ED7-BD3C-4B98-9D2F-F30FB940ADF4}"/>
               </a:ext>
             </a:extLst>
           </p:cNvPr>
@@ -18055,7 +18083,7 @@
           <p:cNvPr id="2" name="标题 1">
             <a:extLst>
               <a:ext uri="{FF2B5EF4-FFF2-40B4-BE49-F238E27FC236}">
-                <a16:creationId xmlns:a16="http://schemas.microsoft.com/office/drawing/2014/main" id="{343B9E61-0C04-4986-A580-7C613D357CCD}"/>
+                <a16:creationId xmlns:a16="http://schemas.microsoft.com/office/drawing/2014/main" xmlns="" id="{343B9E61-0C04-4986-A580-7C613D357CCD}"/>
               </a:ext>
             </a:extLst>
           </p:cNvPr>
@@ -18084,7 +18112,7 @@
           <p:cNvPr id="3" name="文本占位符 2">
             <a:extLst>
               <a:ext uri="{FF2B5EF4-FFF2-40B4-BE49-F238E27FC236}">
-                <a16:creationId xmlns:a16="http://schemas.microsoft.com/office/drawing/2014/main" id="{28D37BA0-F094-421F-832F-C527415E5F58}"/>
+                <a16:creationId xmlns:a16="http://schemas.microsoft.com/office/drawing/2014/main" xmlns="" id="{28D37BA0-F094-421F-832F-C527415E5F58}"/>
               </a:ext>
             </a:extLst>
           </p:cNvPr>
@@ -18249,7 +18277,7 @@
           <p:cNvPr id="4" name="灯片编号占位符 3">
             <a:extLst>
               <a:ext uri="{FF2B5EF4-FFF2-40B4-BE49-F238E27FC236}">
-                <a16:creationId xmlns:a16="http://schemas.microsoft.com/office/drawing/2014/main" id="{4D080EB3-E7D7-4F16-88A7-915DD4EAE9D7}"/>
+                <a16:creationId xmlns:a16="http://schemas.microsoft.com/office/drawing/2014/main" xmlns="" id="{4D080EB3-E7D7-4F16-88A7-915DD4EAE9D7}"/>
               </a:ext>
             </a:extLst>
           </p:cNvPr>
@@ -18320,7 +18348,7 @@
           <p:cNvPr id="2" name="标题 1">
             <a:extLst>
               <a:ext uri="{FF2B5EF4-FFF2-40B4-BE49-F238E27FC236}">
-                <a16:creationId xmlns:a16="http://schemas.microsoft.com/office/drawing/2014/main" id="{C3CF81A1-280B-469F-B99B-9007C6D0152D}"/>
+                <a16:creationId xmlns:a16="http://schemas.microsoft.com/office/drawing/2014/main" xmlns="" id="{C3CF81A1-280B-469F-B99B-9007C6D0152D}"/>
               </a:ext>
             </a:extLst>
           </p:cNvPr>
@@ -18349,7 +18377,7 @@
           <p:cNvPr id="3" name="文本占位符 2">
             <a:extLst>
               <a:ext uri="{FF2B5EF4-FFF2-40B4-BE49-F238E27FC236}">
-                <a16:creationId xmlns:a16="http://schemas.microsoft.com/office/drawing/2014/main" id="{7329DA6B-11EF-4998-BF4A-02148DCE553D}"/>
+                <a16:creationId xmlns:a16="http://schemas.microsoft.com/office/drawing/2014/main" xmlns="" id="{7329DA6B-11EF-4998-BF4A-02148DCE553D}"/>
               </a:ext>
             </a:extLst>
           </p:cNvPr>
@@ -18568,7 +18596,7 @@
           <p:cNvPr id="4" name="灯片编号占位符 3">
             <a:extLst>
               <a:ext uri="{FF2B5EF4-FFF2-40B4-BE49-F238E27FC236}">
-                <a16:creationId xmlns:a16="http://schemas.microsoft.com/office/drawing/2014/main" id="{A8B94F60-D4AE-40AA-80EE-965E77F14F60}"/>
+                <a16:creationId xmlns:a16="http://schemas.microsoft.com/office/drawing/2014/main" xmlns="" id="{A8B94F60-D4AE-40AA-80EE-965E77F14F60}"/>
               </a:ext>
             </a:extLst>
           </p:cNvPr>
@@ -18716,7 +18744,7 @@
           <p:cNvPr id="3" name="灯片编号占位符 2">
             <a:extLst>
               <a:ext uri="{FF2B5EF4-FFF2-40B4-BE49-F238E27FC236}">
-                <a16:creationId xmlns:a16="http://schemas.microsoft.com/office/drawing/2014/main" id="{60C34AA8-481D-4990-8C15-A6630036C9F7}"/>
+                <a16:creationId xmlns:a16="http://schemas.microsoft.com/office/drawing/2014/main" xmlns="" id="{60C34AA8-481D-4990-8C15-A6630036C9F7}"/>
               </a:ext>
             </a:extLst>
           </p:cNvPr>
@@ -18782,7 +18810,7 @@
           <p:cNvPr id="2" name="标题 1">
             <a:extLst>
               <a:ext uri="{FF2B5EF4-FFF2-40B4-BE49-F238E27FC236}">
-                <a16:creationId xmlns:a16="http://schemas.microsoft.com/office/drawing/2014/main" id="{C3CF81A1-280B-469F-B99B-9007C6D0152D}"/>
+                <a16:creationId xmlns:a16="http://schemas.microsoft.com/office/drawing/2014/main" xmlns="" id="{C3CF81A1-280B-469F-B99B-9007C6D0152D}"/>
               </a:ext>
             </a:extLst>
           </p:cNvPr>
@@ -18811,7 +18839,7 @@
           <p:cNvPr id="3" name="文本占位符 2">
             <a:extLst>
               <a:ext uri="{FF2B5EF4-FFF2-40B4-BE49-F238E27FC236}">
-                <a16:creationId xmlns:a16="http://schemas.microsoft.com/office/drawing/2014/main" id="{7329DA6B-11EF-4998-BF4A-02148DCE553D}"/>
+                <a16:creationId xmlns:a16="http://schemas.microsoft.com/office/drawing/2014/main" xmlns="" id="{7329DA6B-11EF-4998-BF4A-02148DCE553D}"/>
               </a:ext>
             </a:extLst>
           </p:cNvPr>
@@ -18958,7 +18986,7 @@
           <p:cNvPr id="4" name="灯片编号占位符 3">
             <a:extLst>
               <a:ext uri="{FF2B5EF4-FFF2-40B4-BE49-F238E27FC236}">
-                <a16:creationId xmlns:a16="http://schemas.microsoft.com/office/drawing/2014/main" id="{ECEEA4C4-222C-4A22-825F-9E5556D70A9C}"/>
+                <a16:creationId xmlns:a16="http://schemas.microsoft.com/office/drawing/2014/main" xmlns="" id="{ECEEA4C4-222C-4A22-825F-9E5556D70A9C}"/>
               </a:ext>
             </a:extLst>
           </p:cNvPr>
@@ -19029,7 +19057,7 @@
           <p:cNvPr id="2" name="标题 1">
             <a:extLst>
               <a:ext uri="{FF2B5EF4-FFF2-40B4-BE49-F238E27FC236}">
-                <a16:creationId xmlns:a16="http://schemas.microsoft.com/office/drawing/2014/main" id="{127EDF5A-15B7-45F2-9C3F-AA971D2EDD3D}"/>
+                <a16:creationId xmlns:a16="http://schemas.microsoft.com/office/drawing/2014/main" xmlns="" id="{127EDF5A-15B7-45F2-9C3F-AA971D2EDD3D}"/>
               </a:ext>
             </a:extLst>
           </p:cNvPr>
@@ -19058,7 +19086,7 @@
           <p:cNvPr id="4" name="图片 3">
             <a:extLst>
               <a:ext uri="{FF2B5EF4-FFF2-40B4-BE49-F238E27FC236}">
-                <a16:creationId xmlns:a16="http://schemas.microsoft.com/office/drawing/2014/main" id="{6B6F750A-FAC2-4DD9-81C3-04C7D1574390}"/>
+                <a16:creationId xmlns:a16="http://schemas.microsoft.com/office/drawing/2014/main" xmlns="" id="{6B6F750A-FAC2-4DD9-81C3-04C7D1574390}"/>
               </a:ext>
             </a:extLst>
           </p:cNvPr>
@@ -19088,7 +19116,7 @@
           <p:cNvPr id="3" name="灯片编号占位符 2">
             <a:extLst>
               <a:ext uri="{FF2B5EF4-FFF2-40B4-BE49-F238E27FC236}">
-                <a16:creationId xmlns:a16="http://schemas.microsoft.com/office/drawing/2014/main" id="{133E0E02-E599-4D13-8EE6-9844C945F003}"/>
+                <a16:creationId xmlns:a16="http://schemas.microsoft.com/office/drawing/2014/main" xmlns="" id="{133E0E02-E599-4D13-8EE6-9844C945F003}"/>
               </a:ext>
             </a:extLst>
           </p:cNvPr>
@@ -19159,7 +19187,7 @@
           <p:cNvPr id="2" name="标题 1">
             <a:extLst>
               <a:ext uri="{FF2B5EF4-FFF2-40B4-BE49-F238E27FC236}">
-                <a16:creationId xmlns:a16="http://schemas.microsoft.com/office/drawing/2014/main" id="{13C226AE-3760-499B-85BD-8C8AF813B18B}"/>
+                <a16:creationId xmlns:a16="http://schemas.microsoft.com/office/drawing/2014/main" xmlns="" id="{13C226AE-3760-499B-85BD-8C8AF813B18B}"/>
               </a:ext>
             </a:extLst>
           </p:cNvPr>
@@ -19188,7 +19216,7 @@
           <p:cNvPr id="3" name="文本占位符 2">
             <a:extLst>
               <a:ext uri="{FF2B5EF4-FFF2-40B4-BE49-F238E27FC236}">
-                <a16:creationId xmlns:a16="http://schemas.microsoft.com/office/drawing/2014/main" id="{0BA0209F-BB80-4E8B-A9D0-8C06FC1256E0}"/>
+                <a16:creationId xmlns:a16="http://schemas.microsoft.com/office/drawing/2014/main" xmlns="" id="{0BA0209F-BB80-4E8B-A9D0-8C06FC1256E0}"/>
               </a:ext>
             </a:extLst>
           </p:cNvPr>
@@ -19395,7 +19423,7 @@
           <p:cNvPr id="4" name="灯片编号占位符 3">
             <a:extLst>
               <a:ext uri="{FF2B5EF4-FFF2-40B4-BE49-F238E27FC236}">
-                <a16:creationId xmlns:a16="http://schemas.microsoft.com/office/drawing/2014/main" id="{3B1FCB60-EDA5-45E7-BF41-D3EB1E0480F9}"/>
+                <a16:creationId xmlns:a16="http://schemas.microsoft.com/office/drawing/2014/main" xmlns="" id="{3B1FCB60-EDA5-45E7-BF41-D3EB1E0480F9}"/>
               </a:ext>
             </a:extLst>
           </p:cNvPr>
@@ -19647,7 +19675,7 @@
           <p:cNvPr id="4" name="灯片编号占位符 3">
             <a:extLst>
               <a:ext uri="{FF2B5EF4-FFF2-40B4-BE49-F238E27FC236}">
-                <a16:creationId xmlns:a16="http://schemas.microsoft.com/office/drawing/2014/main" id="{C0FBF646-ABB3-4264-BBBD-9D483CD46F80}"/>
+                <a16:creationId xmlns:a16="http://schemas.microsoft.com/office/drawing/2014/main" xmlns="" id="{C0FBF646-ABB3-4264-BBBD-9D483CD46F80}"/>
               </a:ext>
             </a:extLst>
           </p:cNvPr>
@@ -19718,7 +19746,7 @@
           <p:cNvPr id="2" name="标题 1">
             <a:extLst>
               <a:ext uri="{FF2B5EF4-FFF2-40B4-BE49-F238E27FC236}">
-                <a16:creationId xmlns:a16="http://schemas.microsoft.com/office/drawing/2014/main" id="{13C226AE-3760-499B-85BD-8C8AF813B18B}"/>
+                <a16:creationId xmlns:a16="http://schemas.microsoft.com/office/drawing/2014/main" xmlns="" id="{13C226AE-3760-499B-85BD-8C8AF813B18B}"/>
               </a:ext>
             </a:extLst>
           </p:cNvPr>
@@ -19746,7 +19774,7 @@
           <p:cNvPr id="3" name="文本占位符 2">
             <a:extLst>
               <a:ext uri="{FF2B5EF4-FFF2-40B4-BE49-F238E27FC236}">
-                <a16:creationId xmlns:a16="http://schemas.microsoft.com/office/drawing/2014/main" id="{0BA0209F-BB80-4E8B-A9D0-8C06FC1256E0}"/>
+                <a16:creationId xmlns:a16="http://schemas.microsoft.com/office/drawing/2014/main" xmlns="" id="{0BA0209F-BB80-4E8B-A9D0-8C06FC1256E0}"/>
               </a:ext>
             </a:extLst>
           </p:cNvPr>
@@ -19902,7 +19930,7 @@
           <p:cNvPr id="4" name="灯片编号占位符 3">
             <a:extLst>
               <a:ext uri="{FF2B5EF4-FFF2-40B4-BE49-F238E27FC236}">
-                <a16:creationId xmlns:a16="http://schemas.microsoft.com/office/drawing/2014/main" id="{77A390EA-BA5C-4856-A2B9-9DEF57C77581}"/>
+                <a16:creationId xmlns:a16="http://schemas.microsoft.com/office/drawing/2014/main" xmlns="" id="{77A390EA-BA5C-4856-A2B9-9DEF57C77581}"/>
               </a:ext>
             </a:extLst>
           </p:cNvPr>
@@ -19973,7 +20001,7 @@
           <p:cNvPr id="2" name="标题 1">
             <a:extLst>
               <a:ext uri="{FF2B5EF4-FFF2-40B4-BE49-F238E27FC236}">
-                <a16:creationId xmlns:a16="http://schemas.microsoft.com/office/drawing/2014/main" id="{13C226AE-3760-499B-85BD-8C8AF813B18B}"/>
+                <a16:creationId xmlns:a16="http://schemas.microsoft.com/office/drawing/2014/main" xmlns="" id="{13C226AE-3760-499B-85BD-8C8AF813B18B}"/>
               </a:ext>
             </a:extLst>
           </p:cNvPr>
@@ -20001,7 +20029,7 @@
           <p:cNvPr id="3" name="文本占位符 2">
             <a:extLst>
               <a:ext uri="{FF2B5EF4-FFF2-40B4-BE49-F238E27FC236}">
-                <a16:creationId xmlns:a16="http://schemas.microsoft.com/office/drawing/2014/main" id="{0BA0209F-BB80-4E8B-A9D0-8C06FC1256E0}"/>
+                <a16:creationId xmlns:a16="http://schemas.microsoft.com/office/drawing/2014/main" xmlns="" id="{0BA0209F-BB80-4E8B-A9D0-8C06FC1256E0}"/>
               </a:ext>
             </a:extLst>
           </p:cNvPr>
@@ -20209,7 +20237,7 @@
           <p:cNvPr id="4" name="灯片编号占位符 3">
             <a:extLst>
               <a:ext uri="{FF2B5EF4-FFF2-40B4-BE49-F238E27FC236}">
-                <a16:creationId xmlns:a16="http://schemas.microsoft.com/office/drawing/2014/main" id="{52C007A9-24FA-4797-917C-E70D075DC210}"/>
+                <a16:creationId xmlns:a16="http://schemas.microsoft.com/office/drawing/2014/main" xmlns="" id="{52C007A9-24FA-4797-917C-E70D075DC210}"/>
               </a:ext>
             </a:extLst>
           </p:cNvPr>
@@ -20280,7 +20308,7 @@
           <p:cNvPr id="2" name="标题 1">
             <a:extLst>
               <a:ext uri="{FF2B5EF4-FFF2-40B4-BE49-F238E27FC236}">
-                <a16:creationId xmlns:a16="http://schemas.microsoft.com/office/drawing/2014/main" id="{E9B0F6F9-0D8F-418C-AB9F-3BD20310B9F4}"/>
+                <a16:creationId xmlns:a16="http://schemas.microsoft.com/office/drawing/2014/main" xmlns="" id="{E9B0F6F9-0D8F-418C-AB9F-3BD20310B9F4}"/>
               </a:ext>
             </a:extLst>
           </p:cNvPr>
@@ -20309,7 +20337,7 @@
           <p:cNvPr id="3" name="文本占位符 2">
             <a:extLst>
               <a:ext uri="{FF2B5EF4-FFF2-40B4-BE49-F238E27FC236}">
-                <a16:creationId xmlns:a16="http://schemas.microsoft.com/office/drawing/2014/main" id="{BE2F9AC4-2560-420F-8BC7-4BDF94842067}"/>
+                <a16:creationId xmlns:a16="http://schemas.microsoft.com/office/drawing/2014/main" xmlns="" id="{BE2F9AC4-2560-420F-8BC7-4BDF94842067}"/>
               </a:ext>
             </a:extLst>
           </p:cNvPr>
@@ -20490,7 +20518,7 @@
           <p:cNvPr id="4" name="灯片编号占位符 3">
             <a:extLst>
               <a:ext uri="{FF2B5EF4-FFF2-40B4-BE49-F238E27FC236}">
-                <a16:creationId xmlns:a16="http://schemas.microsoft.com/office/drawing/2014/main" id="{4A7AD76C-E7C8-43C5-9E44-EF22EE078F66}"/>
+                <a16:creationId xmlns:a16="http://schemas.microsoft.com/office/drawing/2014/main" xmlns="" id="{4A7AD76C-E7C8-43C5-9E44-EF22EE078F66}"/>
               </a:ext>
             </a:extLst>
           </p:cNvPr>
@@ -20561,7 +20589,7 @@
           <p:cNvPr id="2" name="标题 1">
             <a:extLst>
               <a:ext uri="{FF2B5EF4-FFF2-40B4-BE49-F238E27FC236}">
-                <a16:creationId xmlns:a16="http://schemas.microsoft.com/office/drawing/2014/main" id="{E9B0F6F9-0D8F-418C-AB9F-3BD20310B9F4}"/>
+                <a16:creationId xmlns:a16="http://schemas.microsoft.com/office/drawing/2014/main" xmlns="" id="{E9B0F6F9-0D8F-418C-AB9F-3BD20310B9F4}"/>
               </a:ext>
             </a:extLst>
           </p:cNvPr>
@@ -20590,7 +20618,7 @@
           <p:cNvPr id="3" name="文本占位符 2">
             <a:extLst>
               <a:ext uri="{FF2B5EF4-FFF2-40B4-BE49-F238E27FC236}">
-                <a16:creationId xmlns:a16="http://schemas.microsoft.com/office/drawing/2014/main" id="{BE2F9AC4-2560-420F-8BC7-4BDF94842067}"/>
+                <a16:creationId xmlns:a16="http://schemas.microsoft.com/office/drawing/2014/main" xmlns="" id="{BE2F9AC4-2560-420F-8BC7-4BDF94842067}"/>
               </a:ext>
             </a:extLst>
           </p:cNvPr>
@@ -20730,7 +20758,7 @@
           <p:cNvPr id="4" name="灯片编号占位符 3">
             <a:extLst>
               <a:ext uri="{FF2B5EF4-FFF2-40B4-BE49-F238E27FC236}">
-                <a16:creationId xmlns:a16="http://schemas.microsoft.com/office/drawing/2014/main" id="{01AA7080-D6FC-4449-8860-52A72722103E}"/>
+                <a16:creationId xmlns:a16="http://schemas.microsoft.com/office/drawing/2014/main" xmlns="" id="{01AA7080-D6FC-4449-8860-52A72722103E}"/>
               </a:ext>
             </a:extLst>
           </p:cNvPr>
@@ -20801,7 +20829,7 @@
           <p:cNvPr id="2" name="标题 1">
             <a:extLst>
               <a:ext uri="{FF2B5EF4-FFF2-40B4-BE49-F238E27FC236}">
-                <a16:creationId xmlns:a16="http://schemas.microsoft.com/office/drawing/2014/main" id="{6055305A-9E1A-475C-9F4B-7DDB49C7C40F}"/>
+                <a16:creationId xmlns:a16="http://schemas.microsoft.com/office/drawing/2014/main" xmlns="" id="{6055305A-9E1A-475C-9F4B-7DDB49C7C40F}"/>
               </a:ext>
             </a:extLst>
           </p:cNvPr>
@@ -20830,7 +20858,7 @@
           <p:cNvPr id="3" name="文本占位符 2">
             <a:extLst>
               <a:ext uri="{FF2B5EF4-FFF2-40B4-BE49-F238E27FC236}">
-                <a16:creationId xmlns:a16="http://schemas.microsoft.com/office/drawing/2014/main" id="{F725DC08-FEEF-44B0-9165-75AFB2EC7F37}"/>
+                <a16:creationId xmlns:a16="http://schemas.microsoft.com/office/drawing/2014/main" xmlns="" id="{F725DC08-FEEF-44B0-9165-75AFB2EC7F37}"/>
               </a:ext>
             </a:extLst>
           </p:cNvPr>
@@ -21151,7 +21179,7 @@
           <p:cNvPr id="4" name="灯片编号占位符 3">
             <a:extLst>
               <a:ext uri="{FF2B5EF4-FFF2-40B4-BE49-F238E27FC236}">
-                <a16:creationId xmlns:a16="http://schemas.microsoft.com/office/drawing/2014/main" id="{1420A354-803E-4981-ABBD-3B7CF1D76382}"/>
+                <a16:creationId xmlns:a16="http://schemas.microsoft.com/office/drawing/2014/main" xmlns="" id="{1420A354-803E-4981-ABBD-3B7CF1D76382}"/>
               </a:ext>
             </a:extLst>
           </p:cNvPr>
@@ -21222,7 +21250,7 @@
           <p:cNvPr id="2" name="标题 1">
             <a:extLst>
               <a:ext uri="{FF2B5EF4-FFF2-40B4-BE49-F238E27FC236}">
-                <a16:creationId xmlns:a16="http://schemas.microsoft.com/office/drawing/2014/main" id="{637ABCA3-01E8-47C0-8802-8A72AC54CBC6}"/>
+                <a16:creationId xmlns:a16="http://schemas.microsoft.com/office/drawing/2014/main" xmlns="" id="{637ABCA3-01E8-47C0-8802-8A72AC54CBC6}"/>
               </a:ext>
             </a:extLst>
           </p:cNvPr>
@@ -21250,7 +21278,7 @@
           <p:cNvPr id="3" name="文本占位符 2">
             <a:extLst>
               <a:ext uri="{FF2B5EF4-FFF2-40B4-BE49-F238E27FC236}">
-                <a16:creationId xmlns:a16="http://schemas.microsoft.com/office/drawing/2014/main" id="{03FD8546-6F5E-4550-BA68-332538DEB9EB}"/>
+                <a16:creationId xmlns:a16="http://schemas.microsoft.com/office/drawing/2014/main" xmlns="" id="{03FD8546-6F5E-4550-BA68-332538DEB9EB}"/>
               </a:ext>
             </a:extLst>
           </p:cNvPr>
@@ -21388,7 +21416,7 @@
           <p:cNvPr id="4" name="灯片编号占位符 3">
             <a:extLst>
               <a:ext uri="{FF2B5EF4-FFF2-40B4-BE49-F238E27FC236}">
-                <a16:creationId xmlns:a16="http://schemas.microsoft.com/office/drawing/2014/main" id="{00382426-38F3-4C8A-9F34-FA3B2FD9BBB0}"/>
+                <a16:creationId xmlns:a16="http://schemas.microsoft.com/office/drawing/2014/main" xmlns="" id="{00382426-38F3-4C8A-9F34-FA3B2FD9BBB0}"/>
               </a:ext>
             </a:extLst>
           </p:cNvPr>
@@ -21992,7 +22020,7 @@
           <p:cNvPr id="10" name="矩形 9">
             <a:extLst>
               <a:ext uri="{FF2B5EF4-FFF2-40B4-BE49-F238E27FC236}">
-                <a16:creationId xmlns:a16="http://schemas.microsoft.com/office/drawing/2014/main" id="{1B1F3853-EB59-43F0-90AC-0B667289E9BB}"/>
+                <a16:creationId xmlns:a16="http://schemas.microsoft.com/office/drawing/2014/main" xmlns="" id="{1B1F3853-EB59-43F0-90AC-0B667289E9BB}"/>
               </a:ext>
             </a:extLst>
           </p:cNvPr>
@@ -22088,7 +22116,7 @@
           <p:cNvPr id="11" name="矩形 10">
             <a:extLst>
               <a:ext uri="{FF2B5EF4-FFF2-40B4-BE49-F238E27FC236}">
-                <a16:creationId xmlns:a16="http://schemas.microsoft.com/office/drawing/2014/main" id="{3E19C783-3926-46BE-8AEB-1078AC9A85C2}"/>
+                <a16:creationId xmlns:a16="http://schemas.microsoft.com/office/drawing/2014/main" xmlns="" id="{3E19C783-3926-46BE-8AEB-1078AC9A85C2}"/>
               </a:ext>
             </a:extLst>
           </p:cNvPr>
@@ -22187,7 +22215,7 @@
           <p:cNvPr id="4" name="灯片编号占位符 3">
             <a:extLst>
               <a:ext uri="{FF2B5EF4-FFF2-40B4-BE49-F238E27FC236}">
-                <a16:creationId xmlns:a16="http://schemas.microsoft.com/office/drawing/2014/main" id="{69ED4B36-9A9C-4F3E-92BA-1EF93590B0BC}"/>
+                <a16:creationId xmlns:a16="http://schemas.microsoft.com/office/drawing/2014/main" xmlns="" id="{69ED4B36-9A9C-4F3E-92BA-1EF93590B0BC}"/>
               </a:ext>
             </a:extLst>
           </p:cNvPr>
@@ -22253,7 +22281,7 @@
           <p:cNvPr id="2" name="标题 1">
             <a:extLst>
               <a:ext uri="{FF2B5EF4-FFF2-40B4-BE49-F238E27FC236}">
-                <a16:creationId xmlns:a16="http://schemas.microsoft.com/office/drawing/2014/main" id="{637ABCA3-01E8-47C0-8802-8A72AC54CBC6}"/>
+                <a16:creationId xmlns:a16="http://schemas.microsoft.com/office/drawing/2014/main" xmlns="" id="{637ABCA3-01E8-47C0-8802-8A72AC54CBC6}"/>
               </a:ext>
             </a:extLst>
           </p:cNvPr>
@@ -22281,7 +22309,7 @@
           <p:cNvPr id="3" name="文本占位符 2">
             <a:extLst>
               <a:ext uri="{FF2B5EF4-FFF2-40B4-BE49-F238E27FC236}">
-                <a16:creationId xmlns:a16="http://schemas.microsoft.com/office/drawing/2014/main" id="{03FD8546-6F5E-4550-BA68-332538DEB9EB}"/>
+                <a16:creationId xmlns:a16="http://schemas.microsoft.com/office/drawing/2014/main" xmlns="" id="{03FD8546-6F5E-4550-BA68-332538DEB9EB}"/>
               </a:ext>
             </a:extLst>
           </p:cNvPr>
@@ -22456,7 +22484,7 @@
           <p:cNvPr id="4" name="灯片编号占位符 3">
             <a:extLst>
               <a:ext uri="{FF2B5EF4-FFF2-40B4-BE49-F238E27FC236}">
-                <a16:creationId xmlns:a16="http://schemas.microsoft.com/office/drawing/2014/main" id="{268A3A83-335F-4C73-9114-F5E069A86423}"/>
+                <a16:creationId xmlns:a16="http://schemas.microsoft.com/office/drawing/2014/main" xmlns="" id="{268A3A83-335F-4C73-9114-F5E069A86423}"/>
               </a:ext>
             </a:extLst>
           </p:cNvPr>
@@ -22568,7 +22596,7 @@
           <p:cNvPr id="3" name="灯片编号占位符 2">
             <a:extLst>
               <a:ext uri="{FF2B5EF4-FFF2-40B4-BE49-F238E27FC236}">
-                <a16:creationId xmlns:a16="http://schemas.microsoft.com/office/drawing/2014/main" id="{8BC03D2B-9C67-4DDF-A115-9DB285A88E59}"/>
+                <a16:creationId xmlns:a16="http://schemas.microsoft.com/office/drawing/2014/main" xmlns="" id="{8BC03D2B-9C67-4DDF-A115-9DB285A88E59}"/>
               </a:ext>
             </a:extLst>
           </p:cNvPr>
@@ -23147,7 +23175,7 @@
           <p:cNvPr id="2" name="灯片编号占位符 1">
             <a:extLst>
               <a:ext uri="{FF2B5EF4-FFF2-40B4-BE49-F238E27FC236}">
-                <a16:creationId xmlns:a16="http://schemas.microsoft.com/office/drawing/2014/main" id="{91DFAA2F-799A-4366-ADEE-19141AC860B4}"/>
+                <a16:creationId xmlns:a16="http://schemas.microsoft.com/office/drawing/2014/main" xmlns="" id="{91DFAA2F-799A-4366-ADEE-19141AC860B4}"/>
               </a:ext>
             </a:extLst>
           </p:cNvPr>
@@ -23213,7 +23241,7 @@
           <p:cNvPr id="2" name="标题 1">
             <a:extLst>
               <a:ext uri="{FF2B5EF4-FFF2-40B4-BE49-F238E27FC236}">
-                <a16:creationId xmlns:a16="http://schemas.microsoft.com/office/drawing/2014/main" id="{6A61FC68-5DA0-4B17-B59B-B40EE00F5313}"/>
+                <a16:creationId xmlns:a16="http://schemas.microsoft.com/office/drawing/2014/main" xmlns="" id="{6A61FC68-5DA0-4B17-B59B-B40EE00F5313}"/>
               </a:ext>
             </a:extLst>
           </p:cNvPr>
@@ -23245,7 +23273,7 @@
           <p:cNvPr id="3" name="文本占位符 2">
             <a:extLst>
               <a:ext uri="{FF2B5EF4-FFF2-40B4-BE49-F238E27FC236}">
-                <a16:creationId xmlns:a16="http://schemas.microsoft.com/office/drawing/2014/main" id="{45D23FBD-4A3D-4B8D-84FF-719F966A888A}"/>
+                <a16:creationId xmlns:a16="http://schemas.microsoft.com/office/drawing/2014/main" xmlns="" id="{45D23FBD-4A3D-4B8D-84FF-719F966A888A}"/>
               </a:ext>
             </a:extLst>
           </p:cNvPr>
@@ -23530,7 +23558,7 @@
           <p:cNvPr id="4" name="灯片编号占位符 3">
             <a:extLst>
               <a:ext uri="{FF2B5EF4-FFF2-40B4-BE49-F238E27FC236}">
-                <a16:creationId xmlns:a16="http://schemas.microsoft.com/office/drawing/2014/main" id="{715B2AA3-9843-4DFF-8DCB-E91535C052A0}"/>
+                <a16:creationId xmlns:a16="http://schemas.microsoft.com/office/drawing/2014/main" xmlns="" id="{715B2AA3-9843-4DFF-8DCB-E91535C052A0}"/>
               </a:ext>
             </a:extLst>
           </p:cNvPr>
@@ -24100,7 +24128,7 @@
           <p:cNvPr id="5" name="矩形 4">
             <a:extLst>
               <a:ext uri="{FF2B5EF4-FFF2-40B4-BE49-F238E27FC236}">
-                <a16:creationId xmlns:a16="http://schemas.microsoft.com/office/drawing/2014/main" id="{4C6C1768-08E2-4E01-837E-A96FACD2DE47}"/>
+                <a16:creationId xmlns:a16="http://schemas.microsoft.com/office/drawing/2014/main" xmlns="" id="{4C6C1768-08E2-4E01-837E-A96FACD2DE47}"/>
               </a:ext>
             </a:extLst>
           </p:cNvPr>
@@ -24515,7 +24543,7 @@
           <p:cNvPr id="4" name="灯片编号占位符 3">
             <a:extLst>
               <a:ext uri="{FF2B5EF4-FFF2-40B4-BE49-F238E27FC236}">
-                <a16:creationId xmlns:a16="http://schemas.microsoft.com/office/drawing/2014/main" id="{E0643FC5-2DF6-4FCB-98D5-38E748492539}"/>
+                <a16:creationId xmlns:a16="http://schemas.microsoft.com/office/drawing/2014/main" xmlns="" id="{E0643FC5-2DF6-4FCB-98D5-38E748492539}"/>
               </a:ext>
             </a:extLst>
           </p:cNvPr>
@@ -24622,7 +24650,7 @@
           <p:cNvPr id="3" name="灯片编号占位符 2">
             <a:extLst>
               <a:ext uri="{FF2B5EF4-FFF2-40B4-BE49-F238E27FC236}">
-                <a16:creationId xmlns:a16="http://schemas.microsoft.com/office/drawing/2014/main" id="{FE337018-6028-41AC-AA9C-527E1B50EA0E}"/>
+                <a16:creationId xmlns:a16="http://schemas.microsoft.com/office/drawing/2014/main" xmlns="" id="{FE337018-6028-41AC-AA9C-527E1B50EA0E}"/>
               </a:ext>
             </a:extLst>
           </p:cNvPr>
@@ -25338,7 +25366,7 @@
           <p:cNvPr id="3" name="灯片编号占位符 2">
             <a:extLst>
               <a:ext uri="{FF2B5EF4-FFF2-40B4-BE49-F238E27FC236}">
-                <a16:creationId xmlns:a16="http://schemas.microsoft.com/office/drawing/2014/main" id="{1A1E6231-D849-4606-9291-DC632B922D7A}"/>
+                <a16:creationId xmlns:a16="http://schemas.microsoft.com/office/drawing/2014/main" xmlns="" id="{1A1E6231-D849-4606-9291-DC632B922D7A}"/>
               </a:ext>
             </a:extLst>
           </p:cNvPr>
@@ -25854,7 +25882,7 @@
           <p:cNvPr id="3" name="灯片编号占位符 2">
             <a:extLst>
               <a:ext uri="{FF2B5EF4-FFF2-40B4-BE49-F238E27FC236}">
-                <a16:creationId xmlns:a16="http://schemas.microsoft.com/office/drawing/2014/main" id="{C706550E-A4B6-43F0-8B45-47D07422D307}"/>
+                <a16:creationId xmlns:a16="http://schemas.microsoft.com/office/drawing/2014/main" xmlns="" id="{C706550E-A4B6-43F0-8B45-47D07422D307}"/>
               </a:ext>
             </a:extLst>
           </p:cNvPr>
@@ -26378,7 +26406,7 @@
           <p:cNvPr id="3" name="灯片编号占位符 2">
             <a:extLst>
               <a:ext uri="{FF2B5EF4-FFF2-40B4-BE49-F238E27FC236}">
-                <a16:creationId xmlns:a16="http://schemas.microsoft.com/office/drawing/2014/main" id="{66FD6411-9025-4EAB-A7BB-65025C6FB41C}"/>
+                <a16:creationId xmlns:a16="http://schemas.microsoft.com/office/drawing/2014/main" xmlns="" id="{66FD6411-9025-4EAB-A7BB-65025C6FB41C}"/>
               </a:ext>
             </a:extLst>
           </p:cNvPr>
@@ -27191,7 +27219,7 @@
           <p:cNvPr id="3" name="灯片编号占位符 2">
             <a:extLst>
               <a:ext uri="{FF2B5EF4-FFF2-40B4-BE49-F238E27FC236}">
-                <a16:creationId xmlns:a16="http://schemas.microsoft.com/office/drawing/2014/main" id="{8976C071-3D7F-4467-9CAF-F00C77301A05}"/>
+                <a16:creationId xmlns:a16="http://schemas.microsoft.com/office/drawing/2014/main" xmlns="" id="{8976C071-3D7F-4467-9CAF-F00C77301A05}"/>
               </a:ext>
             </a:extLst>
           </p:cNvPr>
@@ -27287,7 +27315,7 @@
           <p:cNvPr id="3" name="灯片编号占位符 2">
             <a:extLst>
               <a:ext uri="{FF2B5EF4-FFF2-40B4-BE49-F238E27FC236}">
-                <a16:creationId xmlns:a16="http://schemas.microsoft.com/office/drawing/2014/main" id="{21CB1FEF-5BCF-434C-BD85-72EB87022676}"/>
+                <a16:creationId xmlns:a16="http://schemas.microsoft.com/office/drawing/2014/main" xmlns="" id="{21CB1FEF-5BCF-434C-BD85-72EB87022676}"/>
               </a:ext>
             </a:extLst>
           </p:cNvPr>
@@ -27570,7 +27598,7 @@
           <p:cNvPr id="3" name="灯片编号占位符 2">
             <a:extLst>
               <a:ext uri="{FF2B5EF4-FFF2-40B4-BE49-F238E27FC236}">
-                <a16:creationId xmlns:a16="http://schemas.microsoft.com/office/drawing/2014/main" id="{F9B894B0-9A8A-4B68-B029-9F9B83F47EF8}"/>
+                <a16:creationId xmlns:a16="http://schemas.microsoft.com/office/drawing/2014/main" xmlns="" id="{F9B894B0-9A8A-4B68-B029-9F9B83F47EF8}"/>
               </a:ext>
             </a:extLst>
           </p:cNvPr>
@@ -28076,7 +28104,7 @@
           <p:cNvPr id="3" name="灯片编号占位符 2">
             <a:extLst>
               <a:ext uri="{FF2B5EF4-FFF2-40B4-BE49-F238E27FC236}">
-                <a16:creationId xmlns:a16="http://schemas.microsoft.com/office/drawing/2014/main" id="{2C24CDA3-0157-4761-90C1-921461B99271}"/>
+                <a16:creationId xmlns:a16="http://schemas.microsoft.com/office/drawing/2014/main" xmlns="" id="{2C24CDA3-0157-4761-90C1-921461B99271}"/>
               </a:ext>
             </a:extLst>
           </p:cNvPr>
@@ -28446,7 +28474,7 @@
           <p:cNvPr id="3" name="灯片编号占位符 2">
             <a:extLst>
               <a:ext uri="{FF2B5EF4-FFF2-40B4-BE49-F238E27FC236}">
-                <a16:creationId xmlns:a16="http://schemas.microsoft.com/office/drawing/2014/main" id="{02151A23-B6C0-4F0A-82D3-1AA4946309B6}"/>
+                <a16:creationId xmlns:a16="http://schemas.microsoft.com/office/drawing/2014/main" xmlns="" id="{02151A23-B6C0-4F0A-82D3-1AA4946309B6}"/>
               </a:ext>
             </a:extLst>
           </p:cNvPr>
@@ -29132,7 +29160,7 @@
           <p:cNvPr id="2" name="灯片编号占位符 1">
             <a:extLst>
               <a:ext uri="{FF2B5EF4-FFF2-40B4-BE49-F238E27FC236}">
-                <a16:creationId xmlns:a16="http://schemas.microsoft.com/office/drawing/2014/main" id="{E2FD01BD-6750-4C16-ACA3-4D67148D3F6C}"/>
+                <a16:creationId xmlns:a16="http://schemas.microsoft.com/office/drawing/2014/main" xmlns="" id="{E2FD01BD-6750-4C16-ACA3-4D67148D3F6C}"/>
               </a:ext>
             </a:extLst>
           </p:cNvPr>
@@ -30621,7 +30649,7 @@
           <p:cNvPr id="2" name="灯片编号占位符 1">
             <a:extLst>
               <a:ext uri="{FF2B5EF4-FFF2-40B4-BE49-F238E27FC236}">
-                <a16:creationId xmlns:a16="http://schemas.microsoft.com/office/drawing/2014/main" id="{8E401633-5B8E-4C18-806C-99DDB9A86E36}"/>
+                <a16:creationId xmlns:a16="http://schemas.microsoft.com/office/drawing/2014/main" xmlns="" id="{8E401633-5B8E-4C18-806C-99DDB9A86E36}"/>
               </a:ext>
             </a:extLst>
           </p:cNvPr>
@@ -31044,8 +31072,63 @@
                   <a:srgbClr val="FFFFFF"/>
                 </a:highlight>
               </a:rPr>
-              <a:t>服务器根据接收到的请求后，向客户端发送响应信息。</a:t>
-            </a:r>
+              <a:t>服务器根据接收到的请求后，向客户端发送响应信息</a:t>
+            </a:r>
+            <a:r>
+              <a:rPr lang="zh-CN" altLang="en-US" sz="2800" dirty="0" smtClean="0">
+                <a:highlight>
+                  <a:srgbClr val="FFFFFF"/>
+                </a:highlight>
+              </a:rPr>
+              <a:t>。</a:t>
+            </a:r>
+            <a:endParaRPr lang="en-US" altLang="zh-CN" sz="2800" dirty="0" smtClean="0">
+              <a:highlight>
+                <a:srgbClr val="FFFFFF"/>
+              </a:highlight>
+            </a:endParaRPr>
+          </a:p>
+          <a:p>
+            <a:pPr>
+              <a:lnSpc>
+                <a:spcPct val="150000"/>
+              </a:lnSpc>
+            </a:pPr>
+            <a:r>
+              <a:rPr lang="en-US" altLang="zh-CN" sz="2800" dirty="0">
+                <a:highlight>
+                  <a:srgbClr val="FFFFFF"/>
+                </a:highlight>
+                <a:hlinkClick r:id="rId3"/>
+              </a:rPr>
+              <a:t>https://</a:t>
+            </a:r>
+            <a:r>
+              <a:rPr lang="en-US" altLang="zh-CN" sz="2800" dirty="0" smtClean="0">
+                <a:highlight>
+                  <a:srgbClr val="FFFFFF"/>
+                </a:highlight>
+                <a:hlinkClick r:id="rId3"/>
+              </a:rPr>
+              <a:t>en.wikipedia.org/wiki/Hypertext_Transfer_Protocol</a:t>
+            </a:r>
+            <a:endParaRPr lang="en-US" altLang="zh-CN" sz="2800" dirty="0" smtClean="0">
+              <a:highlight>
+                <a:srgbClr val="FFFFFF"/>
+              </a:highlight>
+            </a:endParaRPr>
+          </a:p>
+          <a:p>
+            <a:pPr>
+              <a:lnSpc>
+                <a:spcPct val="150000"/>
+              </a:lnSpc>
+            </a:pPr>
+            <a:endParaRPr lang="zh-CN" altLang="en-US" sz="2800" dirty="0">
+              <a:highlight>
+                <a:srgbClr val="FFFFFF"/>
+              </a:highlight>
+            </a:endParaRPr>
           </a:p>
           <a:p>
             <a:endParaRPr lang="en-US" altLang="zh-CN" sz="2000" dirty="0">
@@ -31098,7 +31181,7 @@
           <p:cNvPr id="4" name="灯片编号占位符 3">
             <a:extLst>
               <a:ext uri="{FF2B5EF4-FFF2-40B4-BE49-F238E27FC236}">
-                <a16:creationId xmlns:a16="http://schemas.microsoft.com/office/drawing/2014/main" id="{88898952-823D-48EB-92A8-3B6C99D7D28C}"/>
+                <a16:creationId xmlns:a16="http://schemas.microsoft.com/office/drawing/2014/main" xmlns="" id="{88898952-823D-48EB-92A8-3B6C99D7D28C}"/>
               </a:ext>
             </a:extLst>
           </p:cNvPr>
@@ -31169,7 +31252,7 @@
           <p:cNvPr id="2" name="标题 1">
             <a:extLst>
               <a:ext uri="{FF2B5EF4-FFF2-40B4-BE49-F238E27FC236}">
-                <a16:creationId xmlns:a16="http://schemas.microsoft.com/office/drawing/2014/main" id="{01D14DD6-78E7-4EAE-99BC-D8A2DE338729}"/>
+                <a16:creationId xmlns:a16="http://schemas.microsoft.com/office/drawing/2014/main" xmlns="" id="{01D14DD6-78E7-4EAE-99BC-D8A2DE338729}"/>
               </a:ext>
             </a:extLst>
           </p:cNvPr>
@@ -31198,7 +31281,7 @@
           <p:cNvPr id="3" name="文本占位符 2">
             <a:extLst>
               <a:ext uri="{FF2B5EF4-FFF2-40B4-BE49-F238E27FC236}">
-                <a16:creationId xmlns:a16="http://schemas.microsoft.com/office/drawing/2014/main" id="{72E6E263-6744-4FB1-89DA-FCC0E86BEB3E}"/>
+                <a16:creationId xmlns:a16="http://schemas.microsoft.com/office/drawing/2014/main" xmlns="" id="{72E6E263-6744-4FB1-89DA-FCC0E86BEB3E}"/>
               </a:ext>
             </a:extLst>
           </p:cNvPr>
@@ -31289,17 +31372,19 @@
                 <a:spcPct val="150000"/>
               </a:lnSpc>
             </a:pPr>
-            <a:endParaRPr lang="en-US" altLang="zh-CN" sz="1800" dirty="0"/>
-          </a:p>
-          <a:p>
-            <a:r>
-              <a:rPr lang="zh-CN" altLang="en-US" sz="2800" b="1" dirty="0"/>
-              <a:t>面向非连接的</a:t>
-            </a:r>
-            <a:r>
-              <a:rPr lang="en-US" altLang="zh-CN" sz="2800" b="1" dirty="0"/>
-              <a:t>UDP</a:t>
-            </a:r>
+            <a:r>
+              <a:rPr lang="en-US" altLang="zh-CN" sz="1800" dirty="0">
+                <a:hlinkClick r:id="rId2"/>
+              </a:rPr>
+              <a:t>https://</a:t>
+            </a:r>
+            <a:r>
+              <a:rPr lang="en-US" altLang="zh-CN" sz="1800" dirty="0" smtClean="0">
+                <a:hlinkClick r:id="rId2"/>
+              </a:rPr>
+              <a:t>en.wikipedia.org/wiki/Transmission_Control_Protocol</a:t>
+            </a:r>
+            <a:endParaRPr lang="en-US" altLang="zh-CN" sz="1800" dirty="0" smtClean="0"/>
           </a:p>
           <a:p>
             <a:pPr>
@@ -31307,23 +31392,17 @@
                 <a:spcPct val="150000"/>
               </a:lnSpc>
             </a:pPr>
-            <a:r>
-              <a:rPr lang="en-US" altLang="zh-CN" sz="1800" dirty="0"/>
+            <a:endParaRPr lang="en-US" altLang="zh-CN" sz="1800" dirty="0"/>
+          </a:p>
+          <a:p>
+            <a:r>
+              <a:rPr lang="zh-CN" altLang="en-US" sz="2800" b="1" dirty="0"/>
+              <a:t>面向非连接的</a:t>
+            </a:r>
+            <a:r>
+              <a:rPr lang="en-US" altLang="zh-CN" sz="2800" b="1" dirty="0"/>
               <a:t>UDP</a:t>
             </a:r>
-            <a:r>
-              <a:rPr lang="zh-CN" altLang="en-US" sz="1800" dirty="0"/>
-              <a:t>（</a:t>
-            </a:r>
-            <a:r>
-              <a:rPr lang="en-US" altLang="zh-CN" sz="1800" dirty="0"/>
-              <a:t>User Data Protocol</a:t>
-            </a:r>
-            <a:r>
-              <a:rPr lang="zh-CN" altLang="en-US" sz="1800" dirty="0"/>
-              <a:t>，用户数据报协议）</a:t>
-            </a:r>
-            <a:endParaRPr lang="en-US" altLang="zh-CN" sz="1800" dirty="0"/>
           </a:p>
           <a:p>
             <a:pPr>
@@ -31332,8 +31411,20 @@
               </a:lnSpc>
             </a:pPr>
             <a:r>
+              <a:rPr lang="en-US" altLang="zh-CN" sz="1800" dirty="0"/>
+              <a:t>UDP</a:t>
+            </a:r>
+            <a:r>
               <a:rPr lang="zh-CN" altLang="en-US" sz="1800" dirty="0"/>
-              <a:t>不与对方建立连接</a:t>
+              <a:t>（</a:t>
+            </a:r>
+            <a:r>
+              <a:rPr lang="en-US" altLang="zh-CN" sz="1800" dirty="0"/>
+              <a:t>User Data Protocol</a:t>
+            </a:r>
+            <a:r>
+              <a:rPr lang="zh-CN" altLang="en-US" sz="1800" dirty="0"/>
+              <a:t>，用户数据报协议）</a:t>
             </a:r>
             <a:endParaRPr lang="en-US" altLang="zh-CN" sz="1800" dirty="0"/>
           </a:p>
@@ -31344,13 +31435,58 @@
               </a:lnSpc>
             </a:pPr>
             <a:r>
+              <a:rPr lang="zh-CN" altLang="en-US" sz="1800" dirty="0"/>
+              <a:t>不与对方建立连接</a:t>
+            </a:r>
+            <a:endParaRPr lang="en-US" altLang="zh-CN" sz="1800" dirty="0"/>
+          </a:p>
+          <a:p>
+            <a:pPr>
+              <a:lnSpc>
+                <a:spcPct val="150000"/>
+              </a:lnSpc>
+            </a:pPr>
+            <a:r>
               <a:rPr lang="en-US" altLang="zh-CN" sz="1800" dirty="0"/>
               <a:t>UDP</a:t>
             </a:r>
             <a:r>
               <a:rPr lang="zh-CN" altLang="en-US" sz="1800" dirty="0"/>
-              <a:t>适用于一次只传送少量数据、对可靠性要求不高的应用环境</a:t>
-            </a:r>
+              <a:t>适用于一次只传送少量数据、对可靠性要求不高的应用</a:t>
+            </a:r>
+            <a:r>
+              <a:rPr lang="zh-CN" altLang="en-US" sz="1800" dirty="0" smtClean="0"/>
+              <a:t>环境</a:t>
+            </a:r>
+            <a:endParaRPr lang="en-US" altLang="zh-CN" sz="1800" dirty="0" smtClean="0"/>
+          </a:p>
+          <a:p>
+            <a:pPr>
+              <a:lnSpc>
+                <a:spcPct val="150000"/>
+              </a:lnSpc>
+            </a:pPr>
+            <a:r>
+              <a:rPr lang="en-US" altLang="zh-CN" sz="1800" dirty="0">
+                <a:hlinkClick r:id="rId3"/>
+              </a:rPr>
+              <a:t>https://</a:t>
+            </a:r>
+            <a:r>
+              <a:rPr lang="en-US" altLang="zh-CN" sz="1800" dirty="0" smtClean="0">
+                <a:hlinkClick r:id="rId3"/>
+              </a:rPr>
+              <a:t>en.wikipedia.org/wiki/User_Datagram_Protocol</a:t>
+            </a:r>
+            <a:endParaRPr lang="en-US" altLang="zh-CN" sz="1800" dirty="0" smtClean="0"/>
+          </a:p>
+          <a:p>
+            <a:pPr>
+              <a:lnSpc>
+                <a:spcPct val="150000"/>
+              </a:lnSpc>
+            </a:pPr>
+            <a:endParaRPr lang="zh-CN" altLang="en-US" sz="1800" dirty="0"/>
           </a:p>
         </p:txBody>
       </p:sp>
@@ -31359,7 +31495,7 @@
           <p:cNvPr id="4" name="灯片编号占位符 3">
             <a:extLst>
               <a:ext uri="{FF2B5EF4-FFF2-40B4-BE49-F238E27FC236}">
-                <a16:creationId xmlns:a16="http://schemas.microsoft.com/office/drawing/2014/main" id="{6869C490-5F1A-457D-B9E6-AFB83702C8EC}"/>
+                <a16:creationId xmlns:a16="http://schemas.microsoft.com/office/drawing/2014/main" xmlns="" id="{6869C490-5F1A-457D-B9E6-AFB83702C8EC}"/>
               </a:ext>
             </a:extLst>
           </p:cNvPr>
@@ -31952,7 +32088,7 @@
           <a:p>
             <a:r>
               <a:rPr lang="en-US" altLang="zh-CN" dirty="0">
-                <a:hlinkClick r:id="rId4"/>
+                <a:hlinkClick r:id="rId3"/>
               </a:rPr>
               <a:t>2.Communicating when your app is not in the foreground</a:t>
             </a:r>
@@ -31961,7 +32097,7 @@
           <a:p>
             <a:r>
               <a:rPr lang="en-US" altLang="zh-CN" dirty="0">
-                <a:hlinkClick r:id="rId5"/>
+                <a:hlinkClick r:id="rId3"/>
               </a:rPr>
               <a:t>3.Secured connections</a:t>
             </a:r>
@@ -31970,7 +32106,7 @@
           <a:p>
             <a:r>
               <a:rPr lang="en-US" altLang="zh-CN" dirty="0">
-                <a:hlinkClick r:id="rId6"/>
+                <a:hlinkClick r:id="rId3"/>
               </a:rPr>
               <a:t>4.Authentication</a:t>
             </a:r>
@@ -31979,7 +32115,7 @@
           <a:p>
             <a:r>
               <a:rPr lang="en-US" altLang="zh-CN" dirty="0">
-                <a:hlinkClick r:id="rId7"/>
+                <a:hlinkClick r:id="rId3"/>
               </a:rPr>
               <a:t>5.Handling network exceptions</a:t>
             </a:r>
@@ -32060,7 +32196,7 @@
           <p:cNvPr id="3" name="灯片编号占位符 2">
             <a:extLst>
               <a:ext uri="{FF2B5EF4-FFF2-40B4-BE49-F238E27FC236}">
-                <a16:creationId xmlns:a16="http://schemas.microsoft.com/office/drawing/2014/main" id="{A8F6A67D-64F7-4924-B591-BF455D5C8646}"/>
+                <a16:creationId xmlns:a16="http://schemas.microsoft.com/office/drawing/2014/main" xmlns="" id="{A8F6A67D-64F7-4924-B591-BF455D5C8646}"/>
               </a:ext>
             </a:extLst>
           </p:cNvPr>
@@ -32278,7 +32414,7 @@
           <p:cNvPr id="3" name="表格 2">
             <a:extLst>
               <a:ext uri="{FF2B5EF4-FFF2-40B4-BE49-F238E27FC236}">
-                <a16:creationId xmlns:a16="http://schemas.microsoft.com/office/drawing/2014/main" id="{157EF10A-37A7-4352-910B-F04BD2EC9603}"/>
+                <a16:creationId xmlns:a16="http://schemas.microsoft.com/office/drawing/2014/main" xmlns="" id="{157EF10A-37A7-4352-910B-F04BD2EC9603}"/>
               </a:ext>
             </a:extLst>
           </p:cNvPr>
@@ -32307,14 +32443,14 @@
                 <a:gridCol w="4792398">
                   <a:extLst>
                     <a:ext uri="{9D8B030D-6E8A-4147-A177-3AD203B41FA5}">
-                      <a16:colId xmlns:a16="http://schemas.microsoft.com/office/drawing/2014/main" val="1053090254"/>
+                      <a16:colId xmlns:a16="http://schemas.microsoft.com/office/drawing/2014/main" xmlns="" val="1053090254"/>
                     </a:ext>
                   </a:extLst>
                 </a:gridCol>
                 <a:gridCol w="4792398">
                   <a:extLst>
                     <a:ext uri="{9D8B030D-6E8A-4147-A177-3AD203B41FA5}">
-                      <a16:colId xmlns:a16="http://schemas.microsoft.com/office/drawing/2014/main" val="653890095"/>
+                      <a16:colId xmlns:a16="http://schemas.microsoft.com/office/drawing/2014/main" xmlns="" val="653890095"/>
                     </a:ext>
                   </a:extLst>
                 </a:gridCol>
@@ -32393,7 +32529,7 @@
                 </a:tc>
                 <a:extLst>
                   <a:ext uri="{0D108BD9-81ED-4DB2-BD59-A6C34878D82A}">
-                    <a16:rowId xmlns:a16="http://schemas.microsoft.com/office/drawing/2014/main" val="2535734775"/>
+                    <a16:rowId xmlns:a16="http://schemas.microsoft.com/office/drawing/2014/main" xmlns="" val="2535734775"/>
                   </a:ext>
                 </a:extLst>
               </a:tr>
@@ -32486,7 +32622,7 @@
                 </a:tc>
                 <a:extLst>
                   <a:ext uri="{0D108BD9-81ED-4DB2-BD59-A6C34878D82A}">
-                    <a16:rowId xmlns:a16="http://schemas.microsoft.com/office/drawing/2014/main" val="3240694410"/>
+                    <a16:rowId xmlns:a16="http://schemas.microsoft.com/office/drawing/2014/main" xmlns="" val="3240694410"/>
                   </a:ext>
                 </a:extLst>
               </a:tr>
@@ -32542,7 +32678,7 @@
                 </a:tc>
                 <a:extLst>
                   <a:ext uri="{0D108BD9-81ED-4DB2-BD59-A6C34878D82A}">
-                    <a16:rowId xmlns:a16="http://schemas.microsoft.com/office/drawing/2014/main" val="364005467"/>
+                    <a16:rowId xmlns:a16="http://schemas.microsoft.com/office/drawing/2014/main" xmlns="" val="364005467"/>
                   </a:ext>
                 </a:extLst>
               </a:tr>
@@ -32555,7 +32691,7 @@
           <p:cNvPr id="4" name="灯片编号占位符 3">
             <a:extLst>
               <a:ext uri="{FF2B5EF4-FFF2-40B4-BE49-F238E27FC236}">
-                <a16:creationId xmlns:a16="http://schemas.microsoft.com/office/drawing/2014/main" id="{2D35E679-C18F-4229-AE18-07341B3F6B81}"/>
+                <a16:creationId xmlns:a16="http://schemas.microsoft.com/office/drawing/2014/main" xmlns="" id="{2D35E679-C18F-4229-AE18-07341B3F6B81}"/>
               </a:ext>
             </a:extLst>
           </p:cNvPr>
@@ -32706,7 +32842,7 @@
           <p:cNvPr id="3" name="表格 2">
             <a:extLst>
               <a:ext uri="{FF2B5EF4-FFF2-40B4-BE49-F238E27FC236}">
-                <a16:creationId xmlns:a16="http://schemas.microsoft.com/office/drawing/2014/main" id="{7CF0C65C-B4BD-4ABA-A43E-A407D9C62007}"/>
+                <a16:creationId xmlns:a16="http://schemas.microsoft.com/office/drawing/2014/main" xmlns="" id="{7CF0C65C-B4BD-4ABA-A43E-A407D9C62007}"/>
               </a:ext>
             </a:extLst>
           </p:cNvPr>
@@ -32735,14 +32871,14 @@
                 <a:gridCol w="3251200">
                   <a:extLst>
                     <a:ext uri="{9D8B030D-6E8A-4147-A177-3AD203B41FA5}">
-                      <a16:colId xmlns:a16="http://schemas.microsoft.com/office/drawing/2014/main" val="3924809098"/>
+                      <a16:colId xmlns:a16="http://schemas.microsoft.com/office/drawing/2014/main" xmlns="" val="3924809098"/>
                     </a:ext>
                   </a:extLst>
                 </a:gridCol>
                 <a:gridCol w="6440343">
                   <a:extLst>
                     <a:ext uri="{9D8B030D-6E8A-4147-A177-3AD203B41FA5}">
-                      <a16:colId xmlns:a16="http://schemas.microsoft.com/office/drawing/2014/main" val="3447825180"/>
+                      <a16:colId xmlns:a16="http://schemas.microsoft.com/office/drawing/2014/main" xmlns="" val="3447825180"/>
                     </a:ext>
                   </a:extLst>
                 </a:gridCol>
@@ -32847,7 +32983,7 @@
                 </a:tc>
                 <a:extLst>
                   <a:ext uri="{0D108BD9-81ED-4DB2-BD59-A6C34878D82A}">
-                    <a16:rowId xmlns:a16="http://schemas.microsoft.com/office/drawing/2014/main" val="2209598347"/>
+                    <a16:rowId xmlns:a16="http://schemas.microsoft.com/office/drawing/2014/main" xmlns="" val="2209598347"/>
                   </a:ext>
                 </a:extLst>
               </a:tr>
@@ -32953,7 +33089,7 @@
                 </a:tc>
                 <a:extLst>
                   <a:ext uri="{0D108BD9-81ED-4DB2-BD59-A6C34878D82A}">
-                    <a16:rowId xmlns:a16="http://schemas.microsoft.com/office/drawing/2014/main" val="2087461779"/>
+                    <a16:rowId xmlns:a16="http://schemas.microsoft.com/office/drawing/2014/main" xmlns="" val="2087461779"/>
                   </a:ext>
                 </a:extLst>
               </a:tr>
@@ -33057,7 +33193,7 @@
                 </a:tc>
                 <a:extLst>
                   <a:ext uri="{0D108BD9-81ED-4DB2-BD59-A6C34878D82A}">
-                    <a16:rowId xmlns:a16="http://schemas.microsoft.com/office/drawing/2014/main" val="4059430182"/>
+                    <a16:rowId xmlns:a16="http://schemas.microsoft.com/office/drawing/2014/main" xmlns="" val="4059430182"/>
                   </a:ext>
                 </a:extLst>
               </a:tr>
@@ -33070,7 +33206,7 @@
           <p:cNvPr id="4" name="灯片编号占位符 3">
             <a:extLst>
               <a:ext uri="{FF2B5EF4-FFF2-40B4-BE49-F238E27FC236}">
-                <a16:creationId xmlns:a16="http://schemas.microsoft.com/office/drawing/2014/main" id="{44092FC5-102C-4125-B1AD-F637554626AC}"/>
+                <a16:creationId xmlns:a16="http://schemas.microsoft.com/office/drawing/2014/main" xmlns="" id="{44092FC5-102C-4125-B1AD-F637554626AC}"/>
               </a:ext>
             </a:extLst>
           </p:cNvPr>
@@ -33402,7 +33538,7 @@
   <a:extraClrSchemeLst/>
   <a:extLst>
     <a:ext uri="{05A4C25C-085E-4340-85A3-A5531E510DB2}">
-      <thm15:themeFamily xmlns:thm15="http://schemas.microsoft.com/office/thememl/2012/main" name="Office Theme" id="{62F939B6-93AF-4DB8-9C6B-D6C7DFDC589F}" vid="{4A3C46E8-61CC-4603-A589-7422A47A8E4A}"/>
+      <thm15:themeFamily xmlns:thm15="http://schemas.microsoft.com/office/thememl/2012/main" xmlns="" name="Office Theme" id="{62F939B6-93AF-4DB8-9C6B-D6C7DFDC589F}" vid="{4A3C46E8-61CC-4603-A589-7422A47A8E4A}"/>
     </a:ext>
   </a:extLst>
 </a:theme>
@@ -33690,7 +33826,7 @@
   <a:extraClrSchemeLst/>
   <a:extLst>
     <a:ext uri="{05A4C25C-085E-4340-85A3-A5531E510DB2}">
-      <thm15:themeFamily xmlns:thm15="http://schemas.microsoft.com/office/thememl/2012/main" name="Office Theme" id="{62F939B6-93AF-4DB8-9C6B-D6C7DFDC589F}" vid="{4A3C46E8-61CC-4603-A589-7422A47A8E4A}"/>
+      <thm15:themeFamily xmlns:thm15="http://schemas.microsoft.com/office/thememl/2012/main" xmlns="" name="Office Theme" id="{62F939B6-93AF-4DB8-9C6B-D6C7DFDC589F}" vid="{4A3C46E8-61CC-4603-A589-7422A47A8E4A}"/>
     </a:ext>
   </a:extLst>
 </a:theme>
@@ -33978,7 +34114,7 @@
   <a:extraClrSchemeLst/>
   <a:extLst>
     <a:ext uri="{05A4C25C-085E-4340-85A3-A5531E510DB2}">
-      <thm15:themeFamily xmlns:thm15="http://schemas.microsoft.com/office/thememl/2012/main" name="Office Theme" id="{62F939B6-93AF-4DB8-9C6B-D6C7DFDC589F}" vid="{4A3C46E8-61CC-4603-A589-7422A47A8E4A}"/>
+      <thm15:themeFamily xmlns:thm15="http://schemas.microsoft.com/office/thememl/2012/main" xmlns="" name="Office Theme" id="{62F939B6-93AF-4DB8-9C6B-D6C7DFDC589F}" vid="{4A3C46E8-61CC-4603-A589-7422A47A8E4A}"/>
     </a:ext>
   </a:extLst>
 </a:theme>
